--- a/Weekly Meetings/HEP_Weekly_25September2019.pptx
+++ b/Weekly Meetings/HEP_Weekly_25September2019.pptx
@@ -6,15 +6,18 @@
     <p:sldMasterId id="2147483661" r:id="rId2"/>
   </p:sldMasterIdLst>
   <p:notesMasterIdLst>
-    <p:notesMasterId r:id="rId6"/>
+    <p:notesMasterId r:id="rId9"/>
   </p:notesMasterIdLst>
   <p:handoutMasterIdLst>
-    <p:handoutMasterId r:id="rId7"/>
+    <p:handoutMasterId r:id="rId10"/>
   </p:handoutMasterIdLst>
   <p:sldIdLst>
     <p:sldId id="256" r:id="rId3"/>
     <p:sldId id="439" r:id="rId4"/>
     <p:sldId id="440" r:id="rId5"/>
+    <p:sldId id="442" r:id="rId6"/>
+    <p:sldId id="443" r:id="rId7"/>
+    <p:sldId id="444" r:id="rId8"/>
   </p:sldIdLst>
   <p:sldSz cx="12192000" cy="6858000"/>
   <p:notesSz cx="6858000" cy="9144000"/>
@@ -206,7 +209,7 @@
           <a:p>
             <a:fld id="{FEE00CF8-A4F8-4BB8-976B-0D5859459DEE}" type="datetime1">
               <a:rPr lang="en-GB" smtClean="0"/>
-              <a:t>24/09/2019</a:t>
+              <a:t>02/10/2019</a:t>
             </a:fld>
             <a:endParaRPr lang="en-GB"/>
           </a:p>
@@ -412,7 +415,7 @@
           <a:p>
             <a:fld id="{57BA0BFA-D588-4876-B0CE-96D0B8DE4331}" type="datetime1">
               <a:rPr lang="en-GB" smtClean="0"/>
-              <a:t>24/09/2019</a:t>
+              <a:t>02/10/2019</a:t>
             </a:fld>
             <a:endParaRPr lang="en-GB"/>
           </a:p>
@@ -746,7 +749,7 @@
           <a:p>
             <a:fld id="{32347020-43BD-4614-839E-5DE0684EF482}" type="datetime1">
               <a:rPr lang="en-GB" smtClean="0"/>
-              <a:t>24/09/2019</a:t>
+              <a:t>02/10/2019</a:t>
             </a:fld>
             <a:endParaRPr lang="en-GB"/>
           </a:p>
@@ -1014,7 +1017,7 @@
           <a:p>
             <a:fld id="{D3065AEF-CB34-4A7D-AE93-DF93C764F351}" type="datetime1">
               <a:rPr lang="en-US" smtClean="0"/>
-              <a:t>9/24/19</a:t>
+              <a:t>10/2/19</a:t>
             </a:fld>
             <a:endParaRPr lang="en-US" dirty="0"/>
           </a:p>
@@ -1221,7 +1224,7 @@
           <a:p>
             <a:fld id="{64373F58-7AE8-49E2-A5B1-8DB1E8778A7B}" type="datetime1">
               <a:rPr lang="en-US" smtClean="0"/>
-              <a:t>9/24/19</a:t>
+              <a:t>10/2/19</a:t>
             </a:fld>
             <a:endParaRPr lang="en-US" dirty="0"/>
           </a:p>
@@ -1476,7 +1479,7 @@
           <a:p>
             <a:fld id="{3ADC0DD9-38B3-495C-BDB7-6282ACC62B2A}" type="datetime1">
               <a:rPr lang="en-US" smtClean="0"/>
-              <a:t>9/24/19</a:t>
+              <a:t>10/2/19</a:t>
             </a:fld>
             <a:endParaRPr lang="en-US" dirty="0"/>
           </a:p>
@@ -1667,7 +1670,7 @@
           <a:p>
             <a:fld id="{4E33492F-8FC9-4ABD-99DF-79C10901CC99}" type="datetime1">
               <a:rPr lang="en-US" smtClean="0"/>
-              <a:t>9/24/19</a:t>
+              <a:t>10/2/19</a:t>
             </a:fld>
             <a:endParaRPr lang="en-GB"/>
           </a:p>
@@ -1841,7 +1844,7 @@
           <a:p>
             <a:fld id="{DA0993C4-706A-47E5-B071-C0CEE8753B03}" type="datetime1">
               <a:rPr lang="en-US" smtClean="0"/>
-              <a:t>9/24/19</a:t>
+              <a:t>10/2/19</a:t>
             </a:fld>
             <a:endParaRPr lang="en-GB"/>
           </a:p>
@@ -2091,7 +2094,7 @@
           <a:p>
             <a:fld id="{F3B3715C-87AA-47EC-A0F2-1196CBEF57F8}" type="datetime1">
               <a:rPr lang="en-US" smtClean="0"/>
-              <a:t>9/24/19</a:t>
+              <a:t>10/2/19</a:t>
             </a:fld>
             <a:endParaRPr lang="en-GB"/>
           </a:p>
@@ -2327,7 +2330,7 @@
           <a:p>
             <a:fld id="{6198E012-054E-4E53-AA34-949E27874164}" type="datetime1">
               <a:rPr lang="en-US" smtClean="0"/>
-              <a:t>9/24/19</a:t>
+              <a:t>10/2/19</a:t>
             </a:fld>
             <a:endParaRPr lang="en-GB"/>
           </a:p>
@@ -2698,7 +2701,7 @@
           <a:p>
             <a:fld id="{57BCF115-83D0-4833-9260-A05C743BE4D3}" type="datetime1">
               <a:rPr lang="en-US" smtClean="0"/>
-              <a:t>9/24/19</a:t>
+              <a:t>10/2/19</a:t>
             </a:fld>
             <a:endParaRPr lang="en-GB"/>
           </a:p>
@@ -2820,7 +2823,7 @@
           <a:p>
             <a:fld id="{D04C206A-33A2-4434-9812-22BD0A7E7722}" type="datetime1">
               <a:rPr lang="en-US" smtClean="0"/>
-              <a:t>9/24/19</a:t>
+              <a:t>10/2/19</a:t>
             </a:fld>
             <a:endParaRPr lang="en-GB"/>
           </a:p>
@@ -2919,7 +2922,7 @@
           <a:p>
             <a:fld id="{2A9BCF26-738E-49BB-A8D3-D025A0E4504C}" type="datetime1">
               <a:rPr lang="en-US" smtClean="0"/>
-              <a:t>9/24/19</a:t>
+              <a:t>10/2/19</a:t>
             </a:fld>
             <a:endParaRPr lang="en-GB"/>
           </a:p>
@@ -3200,7 +3203,7 @@
           <a:p>
             <a:fld id="{1BA747C9-E6F3-40B2-ADB7-8DB91216470A}" type="datetime1">
               <a:rPr lang="en-US" smtClean="0"/>
-              <a:t>9/24/19</a:t>
+              <a:t>10/2/19</a:t>
             </a:fld>
             <a:endParaRPr lang="en-GB"/>
           </a:p>
@@ -3356,7 +3359,7 @@
           <a:p>
             <a:fld id="{180784FD-6ACD-414F-B38B-A93F2CCA158F}" type="datetime1">
               <a:rPr lang="en-US" smtClean="0"/>
-              <a:t>9/24/19</a:t>
+              <a:t>10/2/19</a:t>
             </a:fld>
             <a:endParaRPr lang="en-US" dirty="0"/>
           </a:p>
@@ -3637,7 +3640,7 @@
           <a:p>
             <a:fld id="{1FEFB5B8-624B-4A3C-B665-7B8B445E8AA3}" type="datetime1">
               <a:rPr lang="en-US" smtClean="0"/>
-              <a:t>9/24/19</a:t>
+              <a:t>10/2/19</a:t>
             </a:fld>
             <a:endParaRPr lang="en-GB"/>
           </a:p>
@@ -3811,7 +3814,7 @@
           <a:p>
             <a:fld id="{7C8610C0-309F-465E-A15D-7E4A835A81BD}" type="datetime1">
               <a:rPr lang="en-US" smtClean="0"/>
-              <a:t>9/24/19</a:t>
+              <a:t>10/2/19</a:t>
             </a:fld>
             <a:endParaRPr lang="en-GB"/>
           </a:p>
@@ -3995,7 +3998,7 @@
           <a:p>
             <a:fld id="{4BF77126-0819-48E9-9D12-B05358AC5B9D}" type="datetime1">
               <a:rPr lang="en-US" smtClean="0"/>
-              <a:t>9/24/19</a:t>
+              <a:t>10/2/19</a:t>
             </a:fld>
             <a:endParaRPr lang="en-GB"/>
           </a:p>
@@ -4342,7 +4345,7 @@
           <a:p>
             <a:fld id="{82021DA8-61BD-4A44-87FD-3EBD8B70EDD9}" type="datetime1">
               <a:rPr lang="en-US" smtClean="0"/>
-              <a:t>9/24/19</a:t>
+              <a:t>10/2/19</a:t>
             </a:fld>
             <a:endParaRPr lang="en-US" dirty="0"/>
           </a:p>
@@ -4616,7 +4619,7 @@
           <a:p>
             <a:fld id="{61D63971-4744-43DB-90BE-A206C6B40D73}" type="datetime1">
               <a:rPr lang="en-US" smtClean="0"/>
-              <a:t>9/24/19</a:t>
+              <a:t>10/2/19</a:t>
             </a:fld>
             <a:endParaRPr lang="en-US" dirty="0"/>
           </a:p>
@@ -4994,7 +4997,7 @@
           <a:p>
             <a:fld id="{E8B865A5-A0E9-4970-B962-45D77BDCA061}" type="datetime1">
               <a:rPr lang="en-US" smtClean="0"/>
-              <a:t>9/24/19</a:t>
+              <a:t>10/2/19</a:t>
             </a:fld>
             <a:endParaRPr lang="en-US" dirty="0"/>
           </a:p>
@@ -5111,7 +5114,7 @@
           <a:p>
             <a:fld id="{3125FBE8-2953-41EC-B37A-F1044251301C}" type="datetime1">
               <a:rPr lang="en-US" smtClean="0"/>
-              <a:t>9/24/19</a:t>
+              <a:t>10/2/19</a:t>
             </a:fld>
             <a:endParaRPr lang="en-US" dirty="0"/>
           </a:p>
@@ -5281,7 +5284,7 @@
           <a:p>
             <a:fld id="{633AFAF4-71C0-43C8-A4A0-A57645043236}" type="datetime1">
               <a:rPr lang="en-US" smtClean="0"/>
-              <a:t>9/24/19</a:t>
+              <a:t>10/2/19</a:t>
             </a:fld>
             <a:endParaRPr lang="en-US" dirty="0"/>
           </a:p>
@@ -5664,7 +5667,7 @@
           <a:p>
             <a:fld id="{C3FD023E-1C56-465E-B820-E16F72FACDBC}" type="datetime1">
               <a:rPr lang="en-US" smtClean="0"/>
-              <a:t>9/24/19</a:t>
+              <a:t>10/2/19</a:t>
             </a:fld>
             <a:endParaRPr lang="en-US" dirty="0"/>
           </a:p>
@@ -6046,7 +6049,7 @@
           <a:p>
             <a:fld id="{4B6435FA-3DCD-4B2B-B0B9-5B3083C9FAE7}" type="datetime1">
               <a:rPr lang="en-US" smtClean="0"/>
-              <a:t>9/24/19</a:t>
+              <a:t>10/2/19</a:t>
             </a:fld>
             <a:endParaRPr lang="en-US" dirty="0"/>
           </a:p>
@@ -6331,7 +6334,7 @@
           <a:p>
             <a:fld id="{0639FF6A-FE3B-40B1-B091-799BBEC4E1E3}" type="datetime1">
               <a:rPr lang="en-US" smtClean="0"/>
-              <a:t>9/24/19</a:t>
+              <a:t>10/2/19</a:t>
             </a:fld>
             <a:endParaRPr lang="en-US" dirty="0"/>
           </a:p>
@@ -7021,7 +7024,7 @@
           <a:p>
             <a:fld id="{EB354F7C-07A2-4D5D-BA5B-269B177E903F}" type="datetime1">
               <a:rPr lang="en-US" smtClean="0"/>
-              <a:t>9/24/19</a:t>
+              <a:t>10/2/19</a:t>
             </a:fld>
             <a:endParaRPr lang="en-GB"/>
           </a:p>
@@ -7608,7 +7611,7 @@
           <a:p>
             <a:fld id="{180784FD-6ACD-414F-B38B-A93F2CCA158F}" type="datetime1">
               <a:rPr lang="en-US" smtClean="0"/>
-              <a:t>9/24/19</a:t>
+              <a:t>10/2/19</a:t>
             </a:fld>
             <a:endParaRPr lang="en-US" dirty="0"/>
           </a:p>
@@ -7670,7 +7673,7 @@
         <p:spPr>
           <a:xfrm>
             <a:off x="337827" y="862065"/>
-            <a:ext cx="10403885" cy="1600438"/>
+            <a:ext cx="10403885" cy="1815882"/>
           </a:xfrm>
           <a:prstGeom prst="rect">
             <a:avLst/>
@@ -7688,7 +7691,7 @@
               <a:buChar char="•"/>
             </a:pPr>
             <a:r>
-              <a:rPr lang="en-US" sz="1400" dirty="0"/>
+              <a:rPr lang="en-US" sz="1600" dirty="0"/>
               <a:t>Top Tagger:</a:t>
             </a:r>
           </a:p>
@@ -7698,15 +7701,15 @@
               <a:buChar char="•"/>
             </a:pPr>
             <a:r>
-              <a:rPr lang="en-US" sz="1400" dirty="0"/>
+              <a:rPr lang="en-US" sz="1600" dirty="0"/>
               <a:t>Subdominant </a:t>
             </a:r>
             <a:r>
-              <a:rPr lang="en-US" sz="1400" dirty="0" err="1"/>
+              <a:rPr lang="en-US" sz="1600" dirty="0" err="1"/>
               <a:t>Bkg</a:t>
             </a:r>
             <a:r>
-              <a:rPr lang="en-US" sz="1400" dirty="0"/>
+              <a:rPr lang="en-US" sz="1600" dirty="0"/>
               <a:t> Production ‘16,’17</a:t>
             </a:r>
           </a:p>
@@ -7716,8 +7719,8 @@
               <a:buChar char="•"/>
             </a:pPr>
             <a:r>
-              <a:rPr lang="en-US" sz="1400" dirty="0"/>
-              <a:t>New Efficiencies and Acceptance for the new WP’s</a:t>
+              <a:rPr lang="en-US" sz="1600" dirty="0"/>
+              <a:t>Tried new WP’s to see if contamination will go below 1%. No result</a:t>
             </a:r>
           </a:p>
           <a:p>
@@ -7726,50 +7729,59 @@
               <a:buChar char="•"/>
             </a:pPr>
             <a:r>
-              <a:rPr lang="en-US" sz="1400" dirty="0"/>
+              <a:rPr lang="en-US" sz="1600" dirty="0"/>
               <a:t>Fit the Ratio </a:t>
             </a:r>
             <a:r>
-              <a:rPr lang="en-US" sz="1400" dirty="0" err="1"/>
+              <a:rPr lang="en-US" sz="1600" dirty="0" err="1"/>
               <a:t>Bkg</a:t>
             </a:r>
             <a:r>
-              <a:rPr lang="en-US" sz="1400" dirty="0"/>
+              <a:rPr lang="en-US" sz="1600" dirty="0"/>
               <a:t> Signal Region / </a:t>
             </a:r>
             <a:r>
-              <a:rPr lang="en-US" sz="1400" dirty="0" err="1"/>
+              <a:rPr lang="en-US" sz="1600" dirty="0" err="1"/>
               <a:t>Bkg</a:t>
             </a:r>
             <a:r>
-              <a:rPr lang="en-US" sz="1400" dirty="0"/>
-              <a:t> Control Region because of the slope it shows</a:t>
-            </a:r>
-          </a:p>
-          <a:p>
-            <a:pPr lvl="1"/>
-            <a:endParaRPr lang="en-US" sz="1400" dirty="0"/>
-          </a:p>
-          <a:p>
-            <a:pPr lvl="1"/>
-            <a:endParaRPr lang="en-US" sz="1400" dirty="0"/>
-          </a:p>
-          <a:p>
-            <a:pPr marL="285750" indent="-285750">
+              <a:rPr lang="en-US" sz="1600" dirty="0"/>
+              <a:t> Control Region because of the slope it shows for 2017 and 2018 </a:t>
+            </a:r>
+          </a:p>
+          <a:p>
+            <a:pPr marL="742950" lvl="1" indent="-285750">
               <a:buFont typeface="Arial" panose="020B0604020202020204" pitchFamily="34" charset="0"/>
               <a:buChar char="•"/>
             </a:pPr>
             <a:r>
-              <a:rPr lang="en-US" sz="1400" dirty="0"/>
-              <a:t>Poster for “</a:t>
-            </a:r>
-            <a:r>
-              <a:rPr lang="el-GR" sz="1400" dirty="0"/>
-              <a:t>Βραδιά του Ερευνητή</a:t>
-            </a:r>
-            <a:r>
-              <a:rPr lang="en-US" sz="1400" dirty="0"/>
-              <a:t>” with Lisa</a:t>
+              <a:rPr lang="en-US" sz="1600" dirty="0"/>
+              <a:t>Closure Tests with Scale Factors from Fit on the ratio</a:t>
+            </a:r>
+          </a:p>
+          <a:p>
+            <a:pPr marL="742950" lvl="1" indent="-285750">
+              <a:buFont typeface="Arial" panose="020B0604020202020204" pitchFamily="34" charset="0"/>
+              <a:buChar char="•"/>
+            </a:pPr>
+            <a:endParaRPr lang="en-US" sz="1600" dirty="0"/>
+          </a:p>
+          <a:p>
+            <a:pPr marL="742950" lvl="1" indent="-285750">
+              <a:buFont typeface="Arial" panose="020B0604020202020204" pitchFamily="34" charset="0"/>
+              <a:buChar char="•"/>
+            </a:pPr>
+            <a:r>
+              <a:rPr lang="en-US" sz="1600" dirty="0"/>
+              <a:t>Fit on top Mass variable to extract </a:t>
+            </a:r>
+            <a:r>
+              <a:rPr lang="en-US" sz="1600" dirty="0" err="1"/>
+              <a:t>bkg</a:t>
+            </a:r>
+            <a:r>
+              <a:rPr lang="en-US" sz="1600" dirty="0"/>
+              <a:t> from data</a:t>
             </a:r>
           </a:p>
         </p:txBody>
@@ -7873,7 +7885,7 @@
           <a:p>
             <a:fld id="{180784FD-6ACD-414F-B38B-A93F2CCA158F}" type="datetime1">
               <a:rPr lang="en-US" smtClean="0"/>
-              <a:t>9/24/19</a:t>
+              <a:t>10/2/19</a:t>
             </a:fld>
             <a:endParaRPr lang="en-US" dirty="0"/>
           </a:p>
@@ -7972,16 +7984,682 @@
           <a:p>
             <a:r>
               <a:rPr lang="en-US" sz="3400" dirty="0"/>
-              <a:t>Weekly Report</a:t>
+              <a:t>New Closure Tests 2017</a:t>
             </a:r>
             <a:endParaRPr lang="en-GB" sz="3400" dirty="0"/>
           </a:p>
         </p:txBody>
       </p:sp>
+      <p:pic>
+        <p:nvPicPr>
+          <p:cNvPr id="6" name="Picture 5">
+            <a:extLst>
+              <a:ext uri="{FF2B5EF4-FFF2-40B4-BE49-F238E27FC236}">
+                <a16:creationId xmlns:a16="http://schemas.microsoft.com/office/drawing/2014/main" id="{2BE4F2B7-54D4-C44B-A500-725333AE99F9}"/>
+              </a:ext>
+            </a:extLst>
+          </p:cNvPr>
+          <p:cNvPicPr>
+            <a:picLocks noChangeAspect="1"/>
+          </p:cNvPicPr>
+          <p:nvPr/>
+        </p:nvPicPr>
+        <p:blipFill>
+          <a:blip r:embed="rId2"/>
+          <a:stretch>
+            <a:fillRect/>
+          </a:stretch>
+        </p:blipFill>
+        <p:spPr>
+          <a:xfrm>
+            <a:off x="557950" y="832091"/>
+            <a:ext cx="5469382" cy="4497744"/>
+          </a:xfrm>
+          <a:prstGeom prst="rect">
+            <a:avLst/>
+          </a:prstGeom>
+        </p:spPr>
+      </p:pic>
+      <p:pic>
+        <p:nvPicPr>
+          <p:cNvPr id="9" name="Picture 8">
+            <a:extLst>
+              <a:ext uri="{FF2B5EF4-FFF2-40B4-BE49-F238E27FC236}">
+                <a16:creationId xmlns:a16="http://schemas.microsoft.com/office/drawing/2014/main" id="{2395486D-82DF-9449-B9B4-7FE5AE938CD9}"/>
+              </a:ext>
+            </a:extLst>
+          </p:cNvPr>
+          <p:cNvPicPr>
+            <a:picLocks noChangeAspect="1"/>
+          </p:cNvPicPr>
+          <p:nvPr/>
+        </p:nvPicPr>
+        <p:blipFill>
+          <a:blip r:embed="rId3"/>
+          <a:stretch>
+            <a:fillRect/>
+          </a:stretch>
+        </p:blipFill>
+        <p:spPr>
+          <a:xfrm>
+            <a:off x="6027332" y="832091"/>
+            <a:ext cx="5469382" cy="4497744"/>
+          </a:xfrm>
+          <a:prstGeom prst="rect">
+            <a:avLst/>
+          </a:prstGeom>
+        </p:spPr>
+      </p:pic>
     </p:spTree>
     <p:extLst>
       <p:ext uri="{BB962C8B-B14F-4D97-AF65-F5344CB8AC3E}">
-        <p14:creationId xmlns:p14="http://schemas.microsoft.com/office/powerpoint/2010/main" val="4217279488"/>
+        <p14:creationId xmlns:p14="http://schemas.microsoft.com/office/powerpoint/2010/main" val="3055726388"/>
+      </p:ext>
+    </p:extLst>
+  </p:cSld>
+  <p:clrMapOvr>
+    <a:masterClrMapping/>
+  </p:clrMapOvr>
+</p:sld>
+</file>
+
+<file path=ppt/slides/slide4.xml><?xml version="1.0" encoding="utf-8"?>
+<p:sld xmlns:a="http://schemas.openxmlformats.org/drawingml/2006/main" xmlns:r="http://schemas.openxmlformats.org/officeDocument/2006/relationships" xmlns:p="http://schemas.openxmlformats.org/presentationml/2006/main">
+  <p:cSld>
+    <p:spTree>
+      <p:nvGrpSpPr>
+        <p:cNvPr id="1" name=""/>
+        <p:cNvGrpSpPr/>
+        <p:nvPr/>
+      </p:nvGrpSpPr>
+      <p:grpSpPr>
+        <a:xfrm>
+          <a:off x="0" y="0"/>
+          <a:ext cx="0" cy="0"/>
+          <a:chOff x="0" y="0"/>
+          <a:chExt cx="0" cy="0"/>
+        </a:xfrm>
+      </p:grpSpPr>
+      <p:sp>
+        <p:nvSpPr>
+          <p:cNvPr id="3" name="Date Placeholder 2"/>
+          <p:cNvSpPr>
+            <a:spLocks noGrp="1"/>
+          </p:cNvSpPr>
+          <p:nvPr>
+            <p:ph type="dt" sz="half" idx="10"/>
+          </p:nvPr>
+        </p:nvSpPr>
+        <p:spPr/>
+        <p:txBody>
+          <a:bodyPr/>
+          <a:lstStyle/>
+          <a:p>
+            <a:fld id="{180784FD-6ACD-414F-B38B-A93F2CCA158F}" type="datetime1">
+              <a:rPr lang="en-US" smtClean="0"/>
+              <a:t>10/2/19</a:t>
+            </a:fld>
+            <a:endParaRPr lang="en-US" dirty="0"/>
+          </a:p>
+        </p:txBody>
+      </p:sp>
+      <p:sp>
+        <p:nvSpPr>
+          <p:cNvPr id="4" name="Footer Placeholder 3"/>
+          <p:cNvSpPr>
+            <a:spLocks noGrp="1"/>
+          </p:cNvSpPr>
+          <p:nvPr>
+            <p:ph type="ftr" sz="quarter" idx="11"/>
+          </p:nvPr>
+        </p:nvSpPr>
+        <p:spPr/>
+        <p:txBody>
+          <a:bodyPr/>
+          <a:lstStyle/>
+          <a:p>
+            <a:r>
+              <a:rPr lang="fi-FI"/>
+              <a:t>NTUA G. Bakas</a:t>
+            </a:r>
+            <a:endParaRPr lang="en-US" dirty="0"/>
+          </a:p>
+        </p:txBody>
+      </p:sp>
+      <p:sp>
+        <p:nvSpPr>
+          <p:cNvPr id="5" name="Slide Number Placeholder 4"/>
+          <p:cNvSpPr>
+            <a:spLocks noGrp="1"/>
+          </p:cNvSpPr>
+          <p:nvPr>
+            <p:ph type="sldNum" sz="quarter" idx="12"/>
+          </p:nvPr>
+        </p:nvSpPr>
+        <p:spPr/>
+        <p:txBody>
+          <a:bodyPr/>
+          <a:lstStyle/>
+          <a:p>
+            <a:fld id="{4FAB73BC-B049-4115-A692-8D63A059BFB8}" type="slidenum">
+              <a:rPr lang="en-US" smtClean="0"/>
+              <a:pPr/>
+              <a:t>4</a:t>
+            </a:fld>
+            <a:endParaRPr lang="en-US" dirty="0"/>
+          </a:p>
+        </p:txBody>
+      </p:sp>
+      <p:sp>
+        <p:nvSpPr>
+          <p:cNvPr id="8" name="Title 4"/>
+          <p:cNvSpPr txBox="1">
+            <a:spLocks/>
+          </p:cNvSpPr>
+          <p:nvPr/>
+        </p:nvSpPr>
+        <p:spPr>
+          <a:xfrm>
+            <a:off x="221299" y="-76267"/>
+            <a:ext cx="10520413" cy="746308"/>
+          </a:xfrm>
+          <a:prstGeom prst="rect">
+            <a:avLst/>
+          </a:prstGeom>
+        </p:spPr>
+        <p:txBody>
+          <a:bodyPr vert="horz" lIns="91440" tIns="45720" rIns="91440" bIns="45720" rtlCol="0" anchor="b">
+            <a:noAutofit/>
+          </a:bodyPr>
+          <a:lstStyle>
+            <a:lvl1pPr algn="l" defTabSz="914400" rtl="0" eaLnBrk="1" latinLnBrk="0" hangingPunct="1">
+              <a:lnSpc>
+                <a:spcPct val="85000"/>
+              </a:lnSpc>
+              <a:spcBef>
+                <a:spcPct val="0"/>
+              </a:spcBef>
+              <a:buNone/>
+              <a:defRPr sz="4800" kern="1200" spc="-50" baseline="0">
+                <a:solidFill>
+                  <a:schemeClr val="tx1">
+                    <a:lumMod val="75000"/>
+                    <a:lumOff val="25000"/>
+                  </a:schemeClr>
+                </a:solidFill>
+                <a:latin typeface="+mj-lt"/>
+                <a:ea typeface="+mj-ea"/>
+                <a:cs typeface="+mj-cs"/>
+              </a:defRPr>
+            </a:lvl1pPr>
+          </a:lstStyle>
+          <a:p>
+            <a:r>
+              <a:rPr lang="en-US" sz="3400" dirty="0"/>
+              <a:t>New Closure Tests 2017</a:t>
+            </a:r>
+            <a:endParaRPr lang="en-GB" sz="3400" dirty="0"/>
+          </a:p>
+        </p:txBody>
+      </p:sp>
+      <p:pic>
+        <p:nvPicPr>
+          <p:cNvPr id="6" name="Picture 5">
+            <a:extLst>
+              <a:ext uri="{FF2B5EF4-FFF2-40B4-BE49-F238E27FC236}">
+                <a16:creationId xmlns:a16="http://schemas.microsoft.com/office/drawing/2014/main" id="{CF62E532-56F8-6249-985E-8F520570FCAE}"/>
+              </a:ext>
+            </a:extLst>
+          </p:cNvPr>
+          <p:cNvPicPr>
+            <a:picLocks noChangeAspect="1"/>
+          </p:cNvPicPr>
+          <p:nvPr/>
+        </p:nvPicPr>
+        <p:blipFill>
+          <a:blip r:embed="rId2"/>
+          <a:stretch>
+            <a:fillRect/>
+          </a:stretch>
+        </p:blipFill>
+        <p:spPr>
+          <a:xfrm>
+            <a:off x="221298" y="670041"/>
+            <a:ext cx="5874701" cy="4831058"/>
+          </a:xfrm>
+          <a:prstGeom prst="rect">
+            <a:avLst/>
+          </a:prstGeom>
+        </p:spPr>
+      </p:pic>
+      <p:pic>
+        <p:nvPicPr>
+          <p:cNvPr id="9" name="Picture 8">
+            <a:extLst>
+              <a:ext uri="{FF2B5EF4-FFF2-40B4-BE49-F238E27FC236}">
+                <a16:creationId xmlns:a16="http://schemas.microsoft.com/office/drawing/2014/main" id="{F0388D6F-1994-FE43-98A4-AFCC0DA20529}"/>
+              </a:ext>
+            </a:extLst>
+          </p:cNvPr>
+          <p:cNvPicPr>
+            <a:picLocks noChangeAspect="1"/>
+          </p:cNvPicPr>
+          <p:nvPr/>
+        </p:nvPicPr>
+        <p:blipFill>
+          <a:blip r:embed="rId3"/>
+          <a:stretch>
+            <a:fillRect/>
+          </a:stretch>
+        </p:blipFill>
+        <p:spPr>
+          <a:xfrm rot="5400000">
+            <a:off x="6617819" y="148219"/>
+            <a:ext cx="4831059" cy="5874701"/>
+          </a:xfrm>
+          <a:prstGeom prst="rect">
+            <a:avLst/>
+          </a:prstGeom>
+        </p:spPr>
+      </p:pic>
+    </p:spTree>
+    <p:extLst>
+      <p:ext uri="{BB962C8B-B14F-4D97-AF65-F5344CB8AC3E}">
+        <p14:creationId xmlns:p14="http://schemas.microsoft.com/office/powerpoint/2010/main" val="101581765"/>
+      </p:ext>
+    </p:extLst>
+  </p:cSld>
+  <p:clrMapOvr>
+    <a:masterClrMapping/>
+  </p:clrMapOvr>
+</p:sld>
+</file>
+
+<file path=ppt/slides/slide5.xml><?xml version="1.0" encoding="utf-8"?>
+<p:sld xmlns:a="http://schemas.openxmlformats.org/drawingml/2006/main" xmlns:r="http://schemas.openxmlformats.org/officeDocument/2006/relationships" xmlns:p="http://schemas.openxmlformats.org/presentationml/2006/main">
+  <p:cSld>
+    <p:spTree>
+      <p:nvGrpSpPr>
+        <p:cNvPr id="1" name=""/>
+        <p:cNvGrpSpPr/>
+        <p:nvPr/>
+      </p:nvGrpSpPr>
+      <p:grpSpPr>
+        <a:xfrm>
+          <a:off x="0" y="0"/>
+          <a:ext cx="0" cy="0"/>
+          <a:chOff x="0" y="0"/>
+          <a:chExt cx="0" cy="0"/>
+        </a:xfrm>
+      </p:grpSpPr>
+      <p:sp>
+        <p:nvSpPr>
+          <p:cNvPr id="3" name="Date Placeholder 2"/>
+          <p:cNvSpPr>
+            <a:spLocks noGrp="1"/>
+          </p:cNvSpPr>
+          <p:nvPr>
+            <p:ph type="dt" sz="half" idx="10"/>
+          </p:nvPr>
+        </p:nvSpPr>
+        <p:spPr/>
+        <p:txBody>
+          <a:bodyPr/>
+          <a:lstStyle/>
+          <a:p>
+            <a:fld id="{180784FD-6ACD-414F-B38B-A93F2CCA158F}" type="datetime1">
+              <a:rPr lang="en-US" smtClean="0"/>
+              <a:t>10/2/19</a:t>
+            </a:fld>
+            <a:endParaRPr lang="en-US" dirty="0"/>
+          </a:p>
+        </p:txBody>
+      </p:sp>
+      <p:sp>
+        <p:nvSpPr>
+          <p:cNvPr id="4" name="Footer Placeholder 3"/>
+          <p:cNvSpPr>
+            <a:spLocks noGrp="1"/>
+          </p:cNvSpPr>
+          <p:nvPr>
+            <p:ph type="ftr" sz="quarter" idx="11"/>
+          </p:nvPr>
+        </p:nvSpPr>
+        <p:spPr/>
+        <p:txBody>
+          <a:bodyPr/>
+          <a:lstStyle/>
+          <a:p>
+            <a:r>
+              <a:rPr lang="fi-FI"/>
+              <a:t>NTUA G. Bakas</a:t>
+            </a:r>
+            <a:endParaRPr lang="en-US" dirty="0"/>
+          </a:p>
+        </p:txBody>
+      </p:sp>
+      <p:sp>
+        <p:nvSpPr>
+          <p:cNvPr id="5" name="Slide Number Placeholder 4"/>
+          <p:cNvSpPr>
+            <a:spLocks noGrp="1"/>
+          </p:cNvSpPr>
+          <p:nvPr>
+            <p:ph type="sldNum" sz="quarter" idx="12"/>
+          </p:nvPr>
+        </p:nvSpPr>
+        <p:spPr/>
+        <p:txBody>
+          <a:bodyPr/>
+          <a:lstStyle/>
+          <a:p>
+            <a:fld id="{4FAB73BC-B049-4115-A692-8D63A059BFB8}" type="slidenum">
+              <a:rPr lang="en-US" smtClean="0"/>
+              <a:pPr/>
+              <a:t>5</a:t>
+            </a:fld>
+            <a:endParaRPr lang="en-US" dirty="0"/>
+          </a:p>
+        </p:txBody>
+      </p:sp>
+      <p:sp>
+        <p:nvSpPr>
+          <p:cNvPr id="8" name="Title 4"/>
+          <p:cNvSpPr txBox="1">
+            <a:spLocks/>
+          </p:cNvSpPr>
+          <p:nvPr/>
+        </p:nvSpPr>
+        <p:spPr>
+          <a:xfrm>
+            <a:off x="221299" y="-76267"/>
+            <a:ext cx="10520413" cy="746308"/>
+          </a:xfrm>
+          <a:prstGeom prst="rect">
+            <a:avLst/>
+          </a:prstGeom>
+        </p:spPr>
+        <p:txBody>
+          <a:bodyPr vert="horz" lIns="91440" tIns="45720" rIns="91440" bIns="45720" rtlCol="0" anchor="b">
+            <a:noAutofit/>
+          </a:bodyPr>
+          <a:lstStyle>
+            <a:lvl1pPr algn="l" defTabSz="914400" rtl="0" eaLnBrk="1" latinLnBrk="0" hangingPunct="1">
+              <a:lnSpc>
+                <a:spcPct val="85000"/>
+              </a:lnSpc>
+              <a:spcBef>
+                <a:spcPct val="0"/>
+              </a:spcBef>
+              <a:buNone/>
+              <a:defRPr sz="4800" kern="1200" spc="-50" baseline="0">
+                <a:solidFill>
+                  <a:schemeClr val="tx1">
+                    <a:lumMod val="75000"/>
+                    <a:lumOff val="25000"/>
+                  </a:schemeClr>
+                </a:solidFill>
+                <a:latin typeface="+mj-lt"/>
+                <a:ea typeface="+mj-ea"/>
+                <a:cs typeface="+mj-cs"/>
+              </a:defRPr>
+            </a:lvl1pPr>
+          </a:lstStyle>
+          <a:p>
+            <a:r>
+              <a:rPr lang="en-US" sz="3400" dirty="0"/>
+              <a:t>New Closure Tests 2018</a:t>
+            </a:r>
+            <a:endParaRPr lang="en-GB" sz="3400" dirty="0"/>
+          </a:p>
+        </p:txBody>
+      </p:sp>
+      <p:pic>
+        <p:nvPicPr>
+          <p:cNvPr id="12" name="Picture 11">
+            <a:extLst>
+              <a:ext uri="{FF2B5EF4-FFF2-40B4-BE49-F238E27FC236}">
+                <a16:creationId xmlns:a16="http://schemas.microsoft.com/office/drawing/2014/main" id="{A10C85CD-2DD8-254D-9958-D149DA7093D5}"/>
+              </a:ext>
+            </a:extLst>
+          </p:cNvPr>
+          <p:cNvPicPr>
+            <a:picLocks noChangeAspect="1"/>
+          </p:cNvPicPr>
+          <p:nvPr/>
+        </p:nvPicPr>
+        <p:blipFill>
+          <a:blip r:embed="rId2"/>
+          <a:stretch>
+            <a:fillRect/>
+          </a:stretch>
+        </p:blipFill>
+        <p:spPr>
+          <a:xfrm>
+            <a:off x="221298" y="680959"/>
+            <a:ext cx="5874701" cy="4831058"/>
+          </a:xfrm>
+          <a:prstGeom prst="rect">
+            <a:avLst/>
+          </a:prstGeom>
+        </p:spPr>
+      </p:pic>
+      <p:pic>
+        <p:nvPicPr>
+          <p:cNvPr id="14" name="Picture 13">
+            <a:extLst>
+              <a:ext uri="{FF2B5EF4-FFF2-40B4-BE49-F238E27FC236}">
+                <a16:creationId xmlns:a16="http://schemas.microsoft.com/office/drawing/2014/main" id="{713B0E29-14CC-594C-B068-8B2577BE5F98}"/>
+              </a:ext>
+            </a:extLst>
+          </p:cNvPr>
+          <p:cNvPicPr>
+            <a:picLocks noChangeAspect="1"/>
+          </p:cNvPicPr>
+          <p:nvPr/>
+        </p:nvPicPr>
+        <p:blipFill>
+          <a:blip r:embed="rId3"/>
+          <a:stretch>
+            <a:fillRect/>
+          </a:stretch>
+        </p:blipFill>
+        <p:spPr>
+          <a:xfrm>
+            <a:off x="6095999" y="680958"/>
+            <a:ext cx="5874700" cy="4831057"/>
+          </a:xfrm>
+          <a:prstGeom prst="rect">
+            <a:avLst/>
+          </a:prstGeom>
+        </p:spPr>
+      </p:pic>
+    </p:spTree>
+    <p:extLst>
+      <p:ext uri="{BB962C8B-B14F-4D97-AF65-F5344CB8AC3E}">
+        <p14:creationId xmlns:p14="http://schemas.microsoft.com/office/powerpoint/2010/main" val="1509016817"/>
+      </p:ext>
+    </p:extLst>
+  </p:cSld>
+  <p:clrMapOvr>
+    <a:masterClrMapping/>
+  </p:clrMapOvr>
+</p:sld>
+</file>
+
+<file path=ppt/slides/slide6.xml><?xml version="1.0" encoding="utf-8"?>
+<p:sld xmlns:a="http://schemas.openxmlformats.org/drawingml/2006/main" xmlns:r="http://schemas.openxmlformats.org/officeDocument/2006/relationships" xmlns:p="http://schemas.openxmlformats.org/presentationml/2006/main">
+  <p:cSld>
+    <p:spTree>
+      <p:nvGrpSpPr>
+        <p:cNvPr id="1" name=""/>
+        <p:cNvGrpSpPr/>
+        <p:nvPr/>
+      </p:nvGrpSpPr>
+      <p:grpSpPr>
+        <a:xfrm>
+          <a:off x="0" y="0"/>
+          <a:ext cx="0" cy="0"/>
+          <a:chOff x="0" y="0"/>
+          <a:chExt cx="0" cy="0"/>
+        </a:xfrm>
+      </p:grpSpPr>
+      <p:sp>
+        <p:nvSpPr>
+          <p:cNvPr id="3" name="Date Placeholder 2"/>
+          <p:cNvSpPr>
+            <a:spLocks noGrp="1"/>
+          </p:cNvSpPr>
+          <p:nvPr>
+            <p:ph type="dt" sz="half" idx="10"/>
+          </p:nvPr>
+        </p:nvSpPr>
+        <p:spPr/>
+        <p:txBody>
+          <a:bodyPr/>
+          <a:lstStyle/>
+          <a:p>
+            <a:fld id="{180784FD-6ACD-414F-B38B-A93F2CCA158F}" type="datetime1">
+              <a:rPr lang="en-US" smtClean="0"/>
+              <a:t>10/2/19</a:t>
+            </a:fld>
+            <a:endParaRPr lang="en-US" dirty="0"/>
+          </a:p>
+        </p:txBody>
+      </p:sp>
+      <p:sp>
+        <p:nvSpPr>
+          <p:cNvPr id="4" name="Footer Placeholder 3"/>
+          <p:cNvSpPr>
+            <a:spLocks noGrp="1"/>
+          </p:cNvSpPr>
+          <p:nvPr>
+            <p:ph type="ftr" sz="quarter" idx="11"/>
+          </p:nvPr>
+        </p:nvSpPr>
+        <p:spPr/>
+        <p:txBody>
+          <a:bodyPr/>
+          <a:lstStyle/>
+          <a:p>
+            <a:r>
+              <a:rPr lang="fi-FI"/>
+              <a:t>NTUA G. Bakas</a:t>
+            </a:r>
+            <a:endParaRPr lang="en-US" dirty="0"/>
+          </a:p>
+        </p:txBody>
+      </p:sp>
+      <p:sp>
+        <p:nvSpPr>
+          <p:cNvPr id="5" name="Slide Number Placeholder 4"/>
+          <p:cNvSpPr>
+            <a:spLocks noGrp="1"/>
+          </p:cNvSpPr>
+          <p:nvPr>
+            <p:ph type="sldNum" sz="quarter" idx="12"/>
+          </p:nvPr>
+        </p:nvSpPr>
+        <p:spPr/>
+        <p:txBody>
+          <a:bodyPr/>
+          <a:lstStyle/>
+          <a:p>
+            <a:fld id="{4FAB73BC-B049-4115-A692-8D63A059BFB8}" type="slidenum">
+              <a:rPr lang="en-US" smtClean="0"/>
+              <a:pPr/>
+              <a:t>6</a:t>
+            </a:fld>
+            <a:endParaRPr lang="en-US" dirty="0"/>
+          </a:p>
+        </p:txBody>
+      </p:sp>
+      <p:sp>
+        <p:nvSpPr>
+          <p:cNvPr id="8" name="Title 4"/>
+          <p:cNvSpPr txBox="1">
+            <a:spLocks/>
+          </p:cNvSpPr>
+          <p:nvPr/>
+        </p:nvSpPr>
+        <p:spPr>
+          <a:xfrm>
+            <a:off x="221299" y="-76267"/>
+            <a:ext cx="10520413" cy="746308"/>
+          </a:xfrm>
+          <a:prstGeom prst="rect">
+            <a:avLst/>
+          </a:prstGeom>
+        </p:spPr>
+        <p:txBody>
+          <a:bodyPr vert="horz" lIns="91440" tIns="45720" rIns="91440" bIns="45720" rtlCol="0" anchor="b">
+            <a:noAutofit/>
+          </a:bodyPr>
+          <a:lstStyle>
+            <a:lvl1pPr algn="l" defTabSz="914400" rtl="0" eaLnBrk="1" latinLnBrk="0" hangingPunct="1">
+              <a:lnSpc>
+                <a:spcPct val="85000"/>
+              </a:lnSpc>
+              <a:spcBef>
+                <a:spcPct val="0"/>
+              </a:spcBef>
+              <a:buNone/>
+              <a:defRPr sz="4800" kern="1200" spc="-50" baseline="0">
+                <a:solidFill>
+                  <a:schemeClr val="tx1">
+                    <a:lumMod val="75000"/>
+                    <a:lumOff val="25000"/>
+                  </a:schemeClr>
+                </a:solidFill>
+                <a:latin typeface="+mj-lt"/>
+                <a:ea typeface="+mj-ea"/>
+                <a:cs typeface="+mj-cs"/>
+              </a:defRPr>
+            </a:lvl1pPr>
+          </a:lstStyle>
+          <a:p>
+            <a:r>
+              <a:rPr lang="en-US" sz="3400" dirty="0"/>
+              <a:t>New Closure Tests 2018</a:t>
+            </a:r>
+            <a:endParaRPr lang="en-GB" sz="3400" dirty="0"/>
+          </a:p>
+        </p:txBody>
+      </p:sp>
+      <p:pic>
+        <p:nvPicPr>
+          <p:cNvPr id="6" name="Picture 5">
+            <a:extLst>
+              <a:ext uri="{FF2B5EF4-FFF2-40B4-BE49-F238E27FC236}">
+                <a16:creationId xmlns:a16="http://schemas.microsoft.com/office/drawing/2014/main" id="{98B9DB80-E64A-3345-B6F0-890203264A4E}"/>
+              </a:ext>
+            </a:extLst>
+          </p:cNvPr>
+          <p:cNvPicPr>
+            <a:picLocks noChangeAspect="1"/>
+          </p:cNvPicPr>
+          <p:nvPr/>
+        </p:nvPicPr>
+        <p:blipFill>
+          <a:blip r:embed="rId2"/>
+          <a:stretch>
+            <a:fillRect/>
+          </a:stretch>
+        </p:blipFill>
+        <p:spPr>
+          <a:xfrm>
+            <a:off x="221298" y="774216"/>
+            <a:ext cx="5874701" cy="4831058"/>
+          </a:xfrm>
+          <a:prstGeom prst="rect">
+            <a:avLst/>
+          </a:prstGeom>
+        </p:spPr>
+      </p:pic>
+    </p:spTree>
+    <p:extLst>
+      <p:ext uri="{BB962C8B-B14F-4D97-AF65-F5344CB8AC3E}">
+        <p14:creationId xmlns:p14="http://schemas.microsoft.com/office/powerpoint/2010/main" val="3155812454"/>
       </p:ext>
     </p:extLst>
   </p:cSld>
